--- a/arxiv_summary.pptx
+++ b/arxiv_summary.pptx
@@ -216,7 +216,7 @@
           <a:p>
             <a:fld id="{8076F5D2-91F3-F144-8882-B37D3EDA44AC}" type="datetimeFigureOut">
               <a:rPr kumimoji="1" lang="zh-CN" altLang="en-US" smtClean="0"/>
-              <a:t>2020/8/6</a:t>
+              <a:t>2020/9/7</a:t>
             </a:fld>
             <a:endParaRPr kumimoji="1" lang="zh-CN" altLang="en-US"/>
           </a:p>
@@ -680,7 +680,7 @@
           <a:p>
             <a:fld id="{FB0F0FB3-2B77-A54A-8A0B-176CF3D273E6}" type="datetimeFigureOut">
               <a:rPr kumimoji="1" lang="zh-CN" altLang="en-US" smtClean="0"/>
-              <a:t>2020/8/6</a:t>
+              <a:t>2020/9/7</a:t>
             </a:fld>
             <a:endParaRPr kumimoji="1" lang="zh-CN" altLang="en-US"/>
           </a:p>
@@ -890,7 +890,7 @@
           <a:p>
             <a:fld id="{FB0F0FB3-2B77-A54A-8A0B-176CF3D273E6}" type="datetimeFigureOut">
               <a:rPr kumimoji="1" lang="zh-CN" altLang="en-US" smtClean="0"/>
-              <a:t>2020/8/6</a:t>
+              <a:t>2020/9/7</a:t>
             </a:fld>
             <a:endParaRPr kumimoji="1" lang="zh-CN" altLang="en-US"/>
           </a:p>
@@ -1512,7 +1512,7 @@
           <a:p>
             <a:fld id="{FB0F0FB3-2B77-A54A-8A0B-176CF3D273E6}" type="datetimeFigureOut">
               <a:rPr kumimoji="1" lang="zh-CN" altLang="en-US" smtClean="0"/>
-              <a:t>2020/8/6</a:t>
+              <a:t>2020/9/7</a:t>
             </a:fld>
             <a:endParaRPr kumimoji="1" lang="zh-CN" altLang="en-US"/>
           </a:p>
@@ -1780,7 +1780,7 @@
           <a:p>
             <a:fld id="{FB0F0FB3-2B77-A54A-8A0B-176CF3D273E6}" type="datetimeFigureOut">
               <a:rPr kumimoji="1" lang="zh-CN" altLang="en-US" smtClean="0"/>
-              <a:t>2020/8/6</a:t>
+              <a:t>2020/9/7</a:t>
             </a:fld>
             <a:endParaRPr kumimoji="1" lang="zh-CN" altLang="en-US"/>
           </a:p>
@@ -2195,7 +2195,7 @@
           <a:p>
             <a:fld id="{FB0F0FB3-2B77-A54A-8A0B-176CF3D273E6}" type="datetimeFigureOut">
               <a:rPr kumimoji="1" lang="zh-CN" altLang="en-US" smtClean="0"/>
-              <a:t>2020/8/6</a:t>
+              <a:t>2020/9/7</a:t>
             </a:fld>
             <a:endParaRPr kumimoji="1" lang="zh-CN" altLang="en-US"/>
           </a:p>
@@ -2337,7 +2337,7 @@
           <a:p>
             <a:fld id="{FB0F0FB3-2B77-A54A-8A0B-176CF3D273E6}" type="datetimeFigureOut">
               <a:rPr kumimoji="1" lang="zh-CN" altLang="en-US" smtClean="0"/>
-              <a:t>2020/8/6</a:t>
+              <a:t>2020/9/7</a:t>
             </a:fld>
             <a:endParaRPr kumimoji="1" lang="zh-CN" altLang="en-US"/>
           </a:p>
@@ -2450,7 +2450,7 @@
           <a:p>
             <a:fld id="{FB0F0FB3-2B77-A54A-8A0B-176CF3D273E6}" type="datetimeFigureOut">
               <a:rPr kumimoji="1" lang="zh-CN" altLang="en-US" smtClean="0"/>
-              <a:t>2020/8/6</a:t>
+              <a:t>2020/9/7</a:t>
             </a:fld>
             <a:endParaRPr kumimoji="1" lang="zh-CN" altLang="en-US"/>
           </a:p>
@@ -2763,7 +2763,7 @@
           <a:p>
             <a:fld id="{FB0F0FB3-2B77-A54A-8A0B-176CF3D273E6}" type="datetimeFigureOut">
               <a:rPr kumimoji="1" lang="zh-CN" altLang="en-US" smtClean="0"/>
-              <a:t>2020/8/6</a:t>
+              <a:t>2020/9/7</a:t>
             </a:fld>
             <a:endParaRPr kumimoji="1" lang="zh-CN" altLang="en-US"/>
           </a:p>
@@ -3056,7 +3056,7 @@
           <a:p>
             <a:fld id="{FB0F0FB3-2B77-A54A-8A0B-176CF3D273E6}" type="datetimeFigureOut">
               <a:rPr kumimoji="1" lang="zh-CN" altLang="en-US" smtClean="0"/>
-              <a:t>2020/8/6</a:t>
+              <a:t>2020/9/7</a:t>
             </a:fld>
             <a:endParaRPr kumimoji="1" lang="zh-CN" altLang="en-US"/>
           </a:p>
@@ -3297,7 +3297,7 @@
           <a:p>
             <a:fld id="{FB0F0FB3-2B77-A54A-8A0B-176CF3D273E6}" type="datetimeFigureOut">
               <a:rPr kumimoji="1" lang="zh-CN" altLang="en-US" smtClean="0"/>
-              <a:t>2020/8/6</a:t>
+              <a:t>2020/9/7</a:t>
             </a:fld>
             <a:endParaRPr kumimoji="1" lang="zh-CN" altLang="en-US"/>
           </a:p>
@@ -4678,10 +4678,56 @@
         </p:nvSpPr>
         <p:spPr/>
         <p:txBody>
-          <a:bodyPr/>
-          <a:lstStyle/>
-          <a:p>
-            <a:endParaRPr lang="en-CN"/>
+          <a:bodyPr>
+            <a:normAutofit/>
+          </a:bodyPr>
+          <a:lstStyle/>
+          <a:p>
+            <a:r>
+              <a:rPr lang="en-US" dirty="0"/>
+              <a:t>2009.01855.pdf</a:t>
+            </a:r>
+            <a:r>
+              <a:rPr lang="zh-CN" altLang="en-US" dirty="0"/>
+              <a:t> </a:t>
+            </a:r>
+            <a:r>
+              <a:rPr lang="en-US" altLang="zh-CN" sz="1600" dirty="0"/>
+              <a:t>by</a:t>
+            </a:r>
+            <a:r>
+              <a:rPr lang="zh-CN" altLang="en-US" sz="1600" dirty="0"/>
+              <a:t> </a:t>
+            </a:r>
+            <a:r>
+              <a:rPr lang="en-US" altLang="zh-CN" sz="1600" dirty="0"/>
+              <a:t>Carballo-Bello,</a:t>
+            </a:r>
+            <a:r>
+              <a:rPr lang="zh-CN" altLang="en-US" sz="1600" dirty="0"/>
+              <a:t> </a:t>
+            </a:r>
+            <a:r>
+              <a:rPr lang="en-US" altLang="zh-CN" sz="1600" dirty="0"/>
+              <a:t>Martinez-Delgado</a:t>
+            </a:r>
+            <a:r>
+              <a:rPr lang="zh-CN" altLang="en-US" sz="1600" dirty="0"/>
+              <a:t> </a:t>
+            </a:r>
+            <a:r>
+              <a:rPr lang="en-US" altLang="zh-CN" sz="1600" dirty="0"/>
+              <a:t>et</a:t>
+            </a:r>
+            <a:r>
+              <a:rPr lang="zh-CN" altLang="en-US" sz="1600" dirty="0"/>
+              <a:t> </a:t>
+            </a:r>
+            <a:r>
+              <a:rPr lang="en-US" altLang="zh-CN" sz="1600" dirty="0"/>
+              <a:t>al.</a:t>
+            </a:r>
+            <a:endParaRPr lang="en-CN" sz="1600" dirty="0"/>
           </a:p>
         </p:txBody>
       </p:sp>
@@ -4703,10 +4749,56 @@
         </p:nvSpPr>
         <p:spPr/>
         <p:txBody>
-          <a:bodyPr/>
-          <a:lstStyle/>
-          <a:p>
-            <a:endParaRPr lang="en-CN"/>
+          <a:bodyPr>
+            <a:normAutofit lnSpcReduction="10000"/>
+          </a:bodyPr>
+          <a:lstStyle/>
+          <a:p>
+            <a:r>
+              <a:rPr lang="en-US" dirty="0"/>
+              <a:t>We present </a:t>
+            </a:r>
+            <a:r>
+              <a:rPr lang="en-US" dirty="0" err="1"/>
+              <a:t>DECam</a:t>
+            </a:r>
+            <a:r>
+              <a:rPr lang="en-US" dirty="0"/>
+              <a:t> imaging combined with Gaia DR2 data to study the </a:t>
+            </a:r>
+            <a:r>
+              <a:rPr lang="en-US" dirty="0" err="1"/>
+              <a:t>Canis</a:t>
+            </a:r>
+            <a:r>
+              <a:rPr lang="en-US" dirty="0"/>
+              <a:t> Major overdensity. The presence of the so-called Blue Plume stars in a low-pollution area of the color-magnitude diagram allows us to derive the distance and proper motions of this stellar feature along the line of sight of its hypothetical core. The stellar overdensity extends on a large area of the sky at low Galactic latitudes, below the plane, and between 230∘&lt;</a:t>
+            </a:r>
+            <a:r>
+              <a:rPr lang="en-US" i="1" dirty="0"/>
+              <a:t>ℓ</a:t>
+            </a:r>
+            <a:r>
+              <a:rPr lang="en-US" dirty="0"/>
+              <a:t>&lt;255∘. According to the orbit derived for </a:t>
+            </a:r>
+            <a:r>
+              <a:rPr lang="en-US" dirty="0" err="1"/>
+              <a:t>Canis</a:t>
+            </a:r>
+            <a:r>
+              <a:rPr lang="en-US" dirty="0"/>
+              <a:t> Major, it presents an on-plane rotation around the Milky Way. Moreover, additional overdensities of Blue Plume stars are found around the plane and across the Galaxy, proving that these objects are not only associated with that structure. The spatial distribution of these stars, derived using Gaia astrometric data, confirms that the detection of the </a:t>
+            </a:r>
+            <a:r>
+              <a:rPr lang="en-US" dirty="0" err="1"/>
+              <a:t>Canis</a:t>
+            </a:r>
+            <a:r>
+              <a:rPr lang="en-US" dirty="0"/>
+              <a:t> Major overdensity results more from the warped structure of the Milky Way disk than from the accretion of a dwarf galaxy. </a:t>
+            </a:r>
+            <a:endParaRPr lang="en-CN" dirty="0"/>
           </a:p>
         </p:txBody>
       </p:sp>
